--- a/Acme Flights.pptx
+++ b/Acme Flights.pptx
@@ -27,16 +27,16 @@
   <p:notesSz cx="6858000" cy="9144000"/>
   <p:embeddedFontLst>
     <p:embeddedFont>
-      <p:font typeface="Open Sans" panose="020B0604020202020204" charset="0"/>
+      <p:font typeface="PT Sans Narrow" panose="020B0604020202020204" charset="0"/>
       <p:regular r:id="rId17"/>
       <p:bold r:id="rId18"/>
-      <p:italic r:id="rId19"/>
-      <p:boldItalic r:id="rId20"/>
     </p:embeddedFont>
     <p:embeddedFont>
-      <p:font typeface="PT Sans Narrow" panose="020B0604020202020204" charset="0"/>
-      <p:regular r:id="rId21"/>
-      <p:bold r:id="rId22"/>
+      <p:font typeface="Open Sans" panose="020B0604020202020204" charset="0"/>
+      <p:regular r:id="rId19"/>
+      <p:bold r:id="rId20"/>
+      <p:italic r:id="rId21"/>
+      <p:boldItalic r:id="rId22"/>
     </p:embeddedFont>
   </p:embeddedFontLst>
   <p:defaultTextStyle>
@@ -1044,7 +1044,7 @@
             </a:pPr>
             <a:r>
               <a:rPr lang="es-ES" baseline="0" dirty="0" smtClean="0"/>
-              <a:t>Los actores de nuestro sistema serán usuarios, gerentes y administradores, a continuación explicaremos más detenidamente algunas de sus funciones más relevantes.</a:t>
+              <a:t>Con este proyecto se pretende alcanzar el nivel A de calificación.</a:t>
             </a:r>
             <a:endParaRPr lang="es-ES" dirty="0" smtClean="0"/>
           </a:p>
@@ -1276,7 +1276,6 @@
               <a:rPr lang="es-ES" baseline="0" dirty="0" smtClean="0"/>
               <a:t>Además, podrán comentar las aerolíneas en las que han viajado otorgándoles un número de estrellas para valorarlas.</a:t>
             </a:r>
-            <a:endParaRPr lang="es-ES" baseline="0" dirty="0" smtClean="0"/>
           </a:p>
         </p:txBody>
       </p:sp>
@@ -1424,7 +1423,6 @@
               <a:rPr lang="es-ES" baseline="0" dirty="0" smtClean="0"/>
               <a:t>Administrar ofertas y temporadas de las que podrán beneficiarse los usuarios al hacer la reserva.</a:t>
             </a:r>
-            <a:endParaRPr lang="es-ES" baseline="0" dirty="0" smtClean="0"/>
           </a:p>
         </p:txBody>
       </p:sp>
@@ -1577,7 +1575,6 @@
               <a:rPr lang="es-ES" baseline="0" dirty="0" smtClean="0"/>
               <a:t>Gestionar la cuota y las facturas mensuales que deberán pagar las aerolíneas.</a:t>
             </a:r>
-            <a:endParaRPr lang="es-ES" baseline="0" dirty="0" smtClean="0"/>
           </a:p>
         </p:txBody>
       </p:sp>
@@ -7760,7 +7757,6 @@
               <a:rPr lang="es-ES" b="1" dirty="0"/>
               <a:t>Características adicionales aplicación</a:t>
             </a:r>
-            <a:endParaRPr lang="es-ES" b="1" dirty="0"/>
           </a:p>
         </p:txBody>
       </p:sp>
@@ -8186,7 +8182,6 @@
               <a:rPr lang="es-ES" dirty="0"/>
               <a:t>Características adicionales aplicación</a:t>
             </a:r>
-            <a:endParaRPr lang="es-ES" dirty="0"/>
           </a:p>
         </p:txBody>
       </p:sp>
@@ -8519,7 +8514,6 @@
               <a:rPr lang="es-ES" dirty="0"/>
               <a:t>Características adicionales aplicación</a:t>
             </a:r>
-            <a:endParaRPr lang="es-ES" dirty="0"/>
           </a:p>
         </p:txBody>
       </p:sp>
@@ -8619,7 +8613,7 @@
             </a:pPr>
             <a:r>
               <a:rPr lang="es-ES" sz="1800" dirty="0" smtClean="0"/>
-              <a:t>Los actores serán usuarios, gerentes y administradores.</a:t>
+              <a:t>Nivel A.</a:t>
             </a:r>
             <a:endParaRPr lang="es-ES" sz="1800" dirty="0"/>
           </a:p>
@@ -8783,7 +8777,6 @@
               <a:rPr lang="es-ES" dirty="0"/>
               <a:t>Características adicionales aplicación</a:t>
             </a:r>
-            <a:endParaRPr lang="es-ES" dirty="0"/>
           </a:p>
         </p:txBody>
       </p:sp>
